--- a/database/slides/LORD_HAVE_MERCY_(DOWN_IN_THE_GHETTOS).pptx
+++ b/database/slides/LORD_HAVE_MERCY_(DOWN_IN_THE_GHETTOS).pptx
@@ -765,8 +765,8 @@
               <a:defRPr/>
             </a:pPr>
             <a:r>
-              <a:rPr lang="en-US" dirty="0"/>
-              <a:t>RECEIPPT-TAGS:LHM</a:t>
+              <a:rPr lang="en-US"/>
+              <a:t>RECEIPPT-TAGS:LORD HAVE MERCY</a:t>
             </a:r>
           </a:p>
         </p:txBody>

--- a/database/slides/LORD_HAVE_MERCY_(DOWN_IN_THE_GHETTOS).pptx
+++ b/database/slides/LORD_HAVE_MERCY_(DOWN_IN_THE_GHETTOS).pptx
@@ -15788,13 +15788,19 @@
       </p:sp>
       <p:sp>
         <p:nvSpPr>
-          <p:cNvPr id="131" name="Google Shape;131;p25"/>
+          <p:cNvPr id="2" name="Google Shape;131;p25">
+            <a:extLst>
+              <a:ext uri="{FF2B5EF4-FFF2-40B4-BE49-F238E27FC236}">
+                <a16:creationId xmlns:a16="http://schemas.microsoft.com/office/drawing/2014/main" id="{D5B6DEA9-B02F-7539-4B8F-52A3C1CD8B31}"/>
+              </a:ext>
+            </a:extLst>
+          </p:cNvPr>
           <p:cNvSpPr txBox="1"/>
           <p:nvPr/>
         </p:nvSpPr>
         <p:spPr>
           <a:xfrm>
-            <a:off x="7595100" y="6357300"/>
+            <a:off x="7595050" y="6357300"/>
             <a:ext cx="1548900" cy="500700"/>
           </a:xfrm>
           <a:prstGeom prst="rect">
@@ -15826,7 +15832,7 @@
               <a:buNone/>
             </a:pPr>
             <a:r>
-              <a:rPr lang="en-US" sz="3600" b="1" i="1" dirty="0">
+              <a:rPr lang="en-GB" sz="3600" b="1" i="1" dirty="0">
                 <a:solidFill>
                   <a:srgbClr val="FFFF00"/>
                 </a:solidFill>
@@ -15837,10 +15843,7 @@
               </a:rPr>
               <a:t>contd..</a:t>
             </a:r>
-            <a:endParaRPr sz="3600" b="1" i="1" dirty="0">
-              <a:solidFill>
-                <a:srgbClr val="FFFF00"/>
-              </a:solidFill>
+            <a:endParaRPr sz="3600" dirty="0">
               <a:latin typeface="Calibri"/>
               <a:ea typeface="Calibri"/>
               <a:cs typeface="Calibri"/>
